--- a/presentation/OnePlusOne.pptx
+++ b/presentation/OnePlusOne.pptx
@@ -1193,11 +1193,7 @@
             </a:r>
             <a:r>
               <a:rPr lang="en-US" dirty="0" smtClean="0"/>
-              <a:t> save the scan times of table. </a:t>
-            </a:r>
-            <a:r>
-              <a:rPr lang="en-US" smtClean="0"/>
-              <a:t>And If the grouping variables are independent then 2 scans are needed.</a:t>
+              <a:t> save the scan times of table. And If the grouping variables are independent then 2 scans are needed.</a:t>
             </a:r>
           </a:p>
           <a:p>
@@ -9559,7 +9555,11 @@
           <a:p>
             <a:r>
               <a:rPr lang="en-US" dirty="0" smtClean="0"/>
-              <a:t>SQL:</a:t>
+              <a:t>ESQL</a:t>
+            </a:r>
+            <a:r>
+              <a:rPr lang="en-US" dirty="0" smtClean="0"/>
+              <a:t>:</a:t>
             </a:r>
           </a:p>
           <a:p>
@@ -10075,6 +10075,333 @@
           </a:p>
         </p:txBody>
       </p:sp>
+      <p:pic>
+        <p:nvPicPr>
+          <p:cNvPr id="9" name="Picture 8"/>
+          <p:cNvPicPr>
+            <a:picLocks noChangeAspect="1"/>
+          </p:cNvPicPr>
+          <p:nvPr/>
+        </p:nvPicPr>
+        <p:blipFill>
+          <a:blip r:embed="rId5">
+            <a:extLst>
+              <a:ext uri="{28A0092B-C50C-407E-A947-70E740481C1C}">
+                <a14:useLocalDpi xmlns:a14="http://schemas.microsoft.com/office/drawing/2010/main" val="0"/>
+              </a:ext>
+            </a:extLst>
+          </a:blip>
+          <a:stretch>
+            <a:fillRect/>
+          </a:stretch>
+        </p:blipFill>
+        <p:spPr>
+          <a:xfrm>
+            <a:off x="4188466" y="1518616"/>
+            <a:ext cx="4713447" cy="1163171"/>
+          </a:xfrm>
+          <a:prstGeom prst="rect">
+            <a:avLst/>
+          </a:prstGeom>
+        </p:spPr>
+      </p:pic>
+      <p:cxnSp>
+        <p:nvCxnSpPr>
+          <p:cNvPr id="4" name="Straight Arrow Connector 3"/>
+          <p:cNvCxnSpPr/>
+          <p:nvPr/>
+        </p:nvCxnSpPr>
+        <p:spPr>
+          <a:xfrm flipH="1">
+            <a:off x="2984205" y="1630326"/>
+            <a:ext cx="1226288" cy="1488558"/>
+          </a:xfrm>
+          <a:prstGeom prst="straightConnector1">
+            <a:avLst/>
+          </a:prstGeom>
+          <a:ln>
+            <a:tailEnd type="triangle"/>
+          </a:ln>
+        </p:spPr>
+        <p:style>
+          <a:lnRef idx="1">
+            <a:schemeClr val="accent1"/>
+          </a:lnRef>
+          <a:fillRef idx="0">
+            <a:schemeClr val="accent1"/>
+          </a:fillRef>
+          <a:effectRef idx="0">
+            <a:schemeClr val="accent1"/>
+          </a:effectRef>
+          <a:fontRef idx="minor">
+            <a:schemeClr val="tx1"/>
+          </a:fontRef>
+        </p:style>
+      </p:cxnSp>
+      <p:cxnSp>
+        <p:nvCxnSpPr>
+          <p:cNvPr id="11" name="Straight Arrow Connector 10"/>
+          <p:cNvCxnSpPr/>
+          <p:nvPr/>
+        </p:nvCxnSpPr>
+        <p:spPr>
+          <a:xfrm flipH="1">
+            <a:off x="893134" y="2041451"/>
+            <a:ext cx="3274827" cy="1212111"/>
+          </a:xfrm>
+          <a:prstGeom prst="straightConnector1">
+            <a:avLst/>
+          </a:prstGeom>
+          <a:ln>
+            <a:tailEnd type="triangle"/>
+          </a:ln>
+        </p:spPr>
+        <p:style>
+          <a:lnRef idx="1">
+            <a:schemeClr val="accent1"/>
+          </a:lnRef>
+          <a:fillRef idx="0">
+            <a:schemeClr val="accent1"/>
+          </a:fillRef>
+          <a:effectRef idx="0">
+            <a:schemeClr val="accent1"/>
+          </a:effectRef>
+          <a:fontRef idx="minor">
+            <a:schemeClr val="tx1"/>
+          </a:fontRef>
+        </p:style>
+      </p:cxnSp>
+      <p:cxnSp>
+        <p:nvCxnSpPr>
+          <p:cNvPr id="14" name="Straight Arrow Connector 13"/>
+          <p:cNvCxnSpPr/>
+          <p:nvPr/>
+        </p:nvCxnSpPr>
+        <p:spPr>
+          <a:xfrm flipH="1">
+            <a:off x="793898" y="2041451"/>
+            <a:ext cx="3374063" cy="2317898"/>
+          </a:xfrm>
+          <a:prstGeom prst="straightConnector1">
+            <a:avLst/>
+          </a:prstGeom>
+          <a:ln>
+            <a:tailEnd type="triangle"/>
+          </a:ln>
+        </p:spPr>
+        <p:style>
+          <a:lnRef idx="1">
+            <a:schemeClr val="accent1"/>
+          </a:lnRef>
+          <a:fillRef idx="0">
+            <a:schemeClr val="accent1"/>
+          </a:fillRef>
+          <a:effectRef idx="0">
+            <a:schemeClr val="accent1"/>
+          </a:effectRef>
+          <a:fontRef idx="minor">
+            <a:schemeClr val="tx1"/>
+          </a:fontRef>
+        </p:style>
+      </p:cxnSp>
+      <p:cxnSp>
+        <p:nvCxnSpPr>
+          <p:cNvPr id="17" name="Straight Arrow Connector 16"/>
+          <p:cNvCxnSpPr/>
+          <p:nvPr/>
+        </p:nvCxnSpPr>
+        <p:spPr>
+          <a:xfrm flipH="1">
+            <a:off x="964019" y="1630326"/>
+            <a:ext cx="3246474" cy="1913860"/>
+          </a:xfrm>
+          <a:prstGeom prst="straightConnector1">
+            <a:avLst/>
+          </a:prstGeom>
+          <a:ln>
+            <a:tailEnd type="triangle"/>
+          </a:ln>
+        </p:spPr>
+        <p:style>
+          <a:lnRef idx="1">
+            <a:schemeClr val="accent1"/>
+          </a:lnRef>
+          <a:fillRef idx="0">
+            <a:schemeClr val="accent1"/>
+          </a:fillRef>
+          <a:effectRef idx="0">
+            <a:schemeClr val="accent1"/>
+          </a:effectRef>
+          <a:fontRef idx="minor">
+            <a:schemeClr val="tx1"/>
+          </a:fontRef>
+        </p:style>
+      </p:cxnSp>
+      <p:cxnSp>
+        <p:nvCxnSpPr>
+          <p:cNvPr id="19" name="Straight Arrow Connector 18"/>
+          <p:cNvCxnSpPr/>
+          <p:nvPr/>
+        </p:nvCxnSpPr>
+        <p:spPr>
+          <a:xfrm flipH="1">
+            <a:off x="1006550" y="2239925"/>
+            <a:ext cx="3161411" cy="1417675"/>
+          </a:xfrm>
+          <a:prstGeom prst="straightConnector1">
+            <a:avLst/>
+          </a:prstGeom>
+          <a:ln>
+            <a:tailEnd type="triangle"/>
+          </a:ln>
+        </p:spPr>
+        <p:style>
+          <a:lnRef idx="1">
+            <a:schemeClr val="accent1"/>
+          </a:lnRef>
+          <a:fillRef idx="0">
+            <a:schemeClr val="accent1"/>
+          </a:fillRef>
+          <a:effectRef idx="0">
+            <a:schemeClr val="accent1"/>
+          </a:effectRef>
+          <a:fontRef idx="minor">
+            <a:schemeClr val="tx1"/>
+          </a:fontRef>
+        </p:style>
+      </p:cxnSp>
+      <p:cxnSp>
+        <p:nvCxnSpPr>
+          <p:cNvPr id="21" name="Straight Arrow Connector 20"/>
+          <p:cNvCxnSpPr/>
+          <p:nvPr/>
+        </p:nvCxnSpPr>
+        <p:spPr>
+          <a:xfrm flipH="1">
+            <a:off x="1027814" y="2629786"/>
+            <a:ext cx="3182679" cy="1134140"/>
+          </a:xfrm>
+          <a:prstGeom prst="straightConnector1">
+            <a:avLst/>
+          </a:prstGeom>
+          <a:ln>
+            <a:tailEnd type="triangle"/>
+          </a:ln>
+        </p:spPr>
+        <p:style>
+          <a:lnRef idx="1">
+            <a:schemeClr val="accent1"/>
+          </a:lnRef>
+          <a:fillRef idx="0">
+            <a:schemeClr val="accent1"/>
+          </a:fillRef>
+          <a:effectRef idx="0">
+            <a:schemeClr val="accent1"/>
+          </a:effectRef>
+          <a:fontRef idx="minor">
+            <a:schemeClr val="tx1"/>
+          </a:fontRef>
+        </p:style>
+      </p:cxnSp>
+      <p:cxnSp>
+        <p:nvCxnSpPr>
+          <p:cNvPr id="23" name="Straight Arrow Connector 22"/>
+          <p:cNvCxnSpPr/>
+          <p:nvPr/>
+        </p:nvCxnSpPr>
+        <p:spPr>
+          <a:xfrm flipH="1">
+            <a:off x="4210493" y="2681787"/>
+            <a:ext cx="949842" cy="1734269"/>
+          </a:xfrm>
+          <a:prstGeom prst="straightConnector1">
+            <a:avLst/>
+          </a:prstGeom>
+          <a:ln>
+            <a:tailEnd type="triangle"/>
+          </a:ln>
+        </p:spPr>
+        <p:style>
+          <a:lnRef idx="1">
+            <a:schemeClr val="accent1"/>
+          </a:lnRef>
+          <a:fillRef idx="0">
+            <a:schemeClr val="accent1"/>
+          </a:fillRef>
+          <a:effectRef idx="0">
+            <a:schemeClr val="accent1"/>
+          </a:effectRef>
+          <a:fontRef idx="minor">
+            <a:schemeClr val="tx1"/>
+          </a:fontRef>
+        </p:style>
+      </p:cxnSp>
+      <p:cxnSp>
+        <p:nvCxnSpPr>
+          <p:cNvPr id="25" name="Straight Arrow Connector 24"/>
+          <p:cNvCxnSpPr/>
+          <p:nvPr/>
+        </p:nvCxnSpPr>
+        <p:spPr>
+          <a:xfrm flipH="1">
+            <a:off x="6549656" y="2346251"/>
+            <a:ext cx="453656" cy="2530549"/>
+          </a:xfrm>
+          <a:prstGeom prst="straightConnector1">
+            <a:avLst/>
+          </a:prstGeom>
+          <a:ln>
+            <a:tailEnd type="triangle"/>
+          </a:ln>
+        </p:spPr>
+        <p:style>
+          <a:lnRef idx="1">
+            <a:schemeClr val="accent1"/>
+          </a:lnRef>
+          <a:fillRef idx="0">
+            <a:schemeClr val="accent1"/>
+          </a:fillRef>
+          <a:effectRef idx="0">
+            <a:schemeClr val="accent1"/>
+          </a:effectRef>
+          <a:fontRef idx="minor">
+            <a:schemeClr val="tx1"/>
+          </a:fontRef>
+        </p:style>
+      </p:cxnSp>
+      <p:cxnSp>
+        <p:nvCxnSpPr>
+          <p:cNvPr id="27" name="Straight Arrow Connector 26"/>
+          <p:cNvCxnSpPr/>
+          <p:nvPr/>
+        </p:nvCxnSpPr>
+        <p:spPr>
+          <a:xfrm>
+            <a:off x="5266660" y="1949302"/>
+            <a:ext cx="574159" cy="2714847"/>
+          </a:xfrm>
+          <a:prstGeom prst="straightConnector1">
+            <a:avLst/>
+          </a:prstGeom>
+          <a:ln>
+            <a:tailEnd type="triangle"/>
+          </a:ln>
+        </p:spPr>
+        <p:style>
+          <a:lnRef idx="1">
+            <a:schemeClr val="accent1"/>
+          </a:lnRef>
+          <a:fillRef idx="0">
+            <a:schemeClr val="accent1"/>
+          </a:fillRef>
+          <a:effectRef idx="0">
+            <a:schemeClr val="accent1"/>
+          </a:effectRef>
+          <a:fontRef idx="minor">
+            <a:schemeClr val="tx1"/>
+          </a:fontRef>
+        </p:style>
+      </p:cxnSp>
     </p:spTree>
   </p:cSld>
   <p:clrMapOvr>
@@ -10083,7 +10410,777 @@
   <p:timing>
     <p:tnLst>
       <p:par>
-        <p:cTn id="1" dur="indefinite" restart="never" nodeType="tmRoot"/>
+        <p:cTn id="1" dur="indefinite" restart="never" nodeType="tmRoot">
+          <p:childTnLst>
+            <p:seq concurrent="1" nextAc="seek">
+              <p:cTn id="2" dur="indefinite" nodeType="mainSeq">
+                <p:childTnLst>
+                  <p:par>
+                    <p:cTn id="3" fill="hold">
+                      <p:stCondLst>
+                        <p:cond delay="indefinite"/>
+                      </p:stCondLst>
+                      <p:childTnLst>
+                        <p:par>
+                          <p:cTn id="4" fill="hold">
+                            <p:stCondLst>
+                              <p:cond delay="0"/>
+                            </p:stCondLst>
+                            <p:childTnLst>
+                              <p:par>
+                                <p:cTn id="5" presetID="1" presetClass="entr" presetSubtype="0" fill="hold" nodeType="clickEffect">
+                                  <p:stCondLst>
+                                    <p:cond delay="0"/>
+                                  </p:stCondLst>
+                                  <p:childTnLst>
+                                    <p:set>
+                                      <p:cBhvr>
+                                        <p:cTn id="6" dur="1" fill="hold">
+                                          <p:stCondLst>
+                                            <p:cond delay="0"/>
+                                          </p:stCondLst>
+                                        </p:cTn>
+                                        <p:tgtEl>
+                                          <p:spTgt spid="9"/>
+                                        </p:tgtEl>
+                                        <p:attrNameLst>
+                                          <p:attrName>style.visibility</p:attrName>
+                                        </p:attrNameLst>
+                                      </p:cBhvr>
+                                      <p:to>
+                                        <p:strVal val="visible"/>
+                                      </p:to>
+                                    </p:set>
+                                  </p:childTnLst>
+                                </p:cTn>
+                              </p:par>
+                            </p:childTnLst>
+                          </p:cTn>
+                        </p:par>
+                      </p:childTnLst>
+                    </p:cTn>
+                  </p:par>
+                  <p:par>
+                    <p:cTn id="7" fill="hold">
+                      <p:stCondLst>
+                        <p:cond delay="indefinite"/>
+                      </p:stCondLst>
+                      <p:childTnLst>
+                        <p:par>
+                          <p:cTn id="8" fill="hold">
+                            <p:stCondLst>
+                              <p:cond delay="0"/>
+                            </p:stCondLst>
+                            <p:childTnLst>
+                              <p:par>
+                                <p:cTn id="9" presetID="1" presetClass="entr" presetSubtype="0" fill="hold" nodeType="clickEffect">
+                                  <p:stCondLst>
+                                    <p:cond delay="0"/>
+                                  </p:stCondLst>
+                                  <p:childTnLst>
+                                    <p:set>
+                                      <p:cBhvr>
+                                        <p:cTn id="10" dur="1" fill="hold">
+                                          <p:stCondLst>
+                                            <p:cond delay="0"/>
+                                          </p:stCondLst>
+                                        </p:cTn>
+                                        <p:tgtEl>
+                                          <p:spTgt spid="4"/>
+                                        </p:tgtEl>
+                                        <p:attrNameLst>
+                                          <p:attrName>style.visibility</p:attrName>
+                                        </p:attrNameLst>
+                                      </p:cBhvr>
+                                      <p:to>
+                                        <p:strVal val="visible"/>
+                                      </p:to>
+                                    </p:set>
+                                  </p:childTnLst>
+                                </p:cTn>
+                              </p:par>
+                            </p:childTnLst>
+                          </p:cTn>
+                        </p:par>
+                      </p:childTnLst>
+                    </p:cTn>
+                  </p:par>
+                  <p:par>
+                    <p:cTn id="11" fill="hold">
+                      <p:stCondLst>
+                        <p:cond delay="indefinite"/>
+                      </p:stCondLst>
+                      <p:childTnLst>
+                        <p:par>
+                          <p:cTn id="12" fill="hold">
+                            <p:stCondLst>
+                              <p:cond delay="0"/>
+                            </p:stCondLst>
+                            <p:childTnLst>
+                              <p:par>
+                                <p:cTn id="13" presetID="1" presetClass="exit" presetSubtype="0" fill="hold" nodeType="clickEffect">
+                                  <p:stCondLst>
+                                    <p:cond delay="0"/>
+                                  </p:stCondLst>
+                                  <p:childTnLst>
+                                    <p:set>
+                                      <p:cBhvr>
+                                        <p:cTn id="14" dur="1" fill="hold">
+                                          <p:stCondLst>
+                                            <p:cond delay="0"/>
+                                          </p:stCondLst>
+                                        </p:cTn>
+                                        <p:tgtEl>
+                                          <p:spTgt spid="4"/>
+                                        </p:tgtEl>
+                                        <p:attrNameLst>
+                                          <p:attrName>style.visibility</p:attrName>
+                                        </p:attrNameLst>
+                                      </p:cBhvr>
+                                      <p:to>
+                                        <p:strVal val="hidden"/>
+                                      </p:to>
+                                    </p:set>
+                                  </p:childTnLst>
+                                </p:cTn>
+                              </p:par>
+                            </p:childTnLst>
+                          </p:cTn>
+                        </p:par>
+                      </p:childTnLst>
+                    </p:cTn>
+                  </p:par>
+                  <p:par>
+                    <p:cTn id="15" fill="hold">
+                      <p:stCondLst>
+                        <p:cond delay="indefinite"/>
+                      </p:stCondLst>
+                      <p:childTnLst>
+                        <p:par>
+                          <p:cTn id="16" fill="hold">
+                            <p:stCondLst>
+                              <p:cond delay="0"/>
+                            </p:stCondLst>
+                            <p:childTnLst>
+                              <p:par>
+                                <p:cTn id="17" presetID="1" presetClass="entr" presetSubtype="0" fill="hold" nodeType="clickEffect">
+                                  <p:stCondLst>
+                                    <p:cond delay="0"/>
+                                  </p:stCondLst>
+                                  <p:childTnLst>
+                                    <p:set>
+                                      <p:cBhvr>
+                                        <p:cTn id="18" dur="1" fill="hold">
+                                          <p:stCondLst>
+                                            <p:cond delay="0"/>
+                                          </p:stCondLst>
+                                        </p:cTn>
+                                        <p:tgtEl>
+                                          <p:spTgt spid="11"/>
+                                        </p:tgtEl>
+                                        <p:attrNameLst>
+                                          <p:attrName>style.visibility</p:attrName>
+                                        </p:attrNameLst>
+                                      </p:cBhvr>
+                                      <p:to>
+                                        <p:strVal val="visible"/>
+                                      </p:to>
+                                    </p:set>
+                                  </p:childTnLst>
+                                </p:cTn>
+                              </p:par>
+                            </p:childTnLst>
+                          </p:cTn>
+                        </p:par>
+                      </p:childTnLst>
+                    </p:cTn>
+                  </p:par>
+                  <p:par>
+                    <p:cTn id="19" fill="hold">
+                      <p:stCondLst>
+                        <p:cond delay="indefinite"/>
+                      </p:stCondLst>
+                      <p:childTnLst>
+                        <p:par>
+                          <p:cTn id="20" fill="hold">
+                            <p:stCondLst>
+                              <p:cond delay="0"/>
+                            </p:stCondLst>
+                            <p:childTnLst>
+                              <p:par>
+                                <p:cTn id="21" presetID="1" presetClass="exit" presetSubtype="0" fill="hold" nodeType="clickEffect">
+                                  <p:stCondLst>
+                                    <p:cond delay="0"/>
+                                  </p:stCondLst>
+                                  <p:childTnLst>
+                                    <p:set>
+                                      <p:cBhvr>
+                                        <p:cTn id="22" dur="1" fill="hold">
+                                          <p:stCondLst>
+                                            <p:cond delay="0"/>
+                                          </p:stCondLst>
+                                        </p:cTn>
+                                        <p:tgtEl>
+                                          <p:spTgt spid="11"/>
+                                        </p:tgtEl>
+                                        <p:attrNameLst>
+                                          <p:attrName>style.visibility</p:attrName>
+                                        </p:attrNameLst>
+                                      </p:cBhvr>
+                                      <p:to>
+                                        <p:strVal val="hidden"/>
+                                      </p:to>
+                                    </p:set>
+                                  </p:childTnLst>
+                                </p:cTn>
+                              </p:par>
+                            </p:childTnLst>
+                          </p:cTn>
+                        </p:par>
+                      </p:childTnLst>
+                    </p:cTn>
+                  </p:par>
+                  <p:par>
+                    <p:cTn id="23" fill="hold">
+                      <p:stCondLst>
+                        <p:cond delay="indefinite"/>
+                      </p:stCondLst>
+                      <p:childTnLst>
+                        <p:par>
+                          <p:cTn id="24" fill="hold">
+                            <p:stCondLst>
+                              <p:cond delay="0"/>
+                            </p:stCondLst>
+                            <p:childTnLst>
+                              <p:par>
+                                <p:cTn id="25" presetID="1" presetClass="entr" presetSubtype="0" fill="hold" nodeType="clickEffect">
+                                  <p:stCondLst>
+                                    <p:cond delay="0"/>
+                                  </p:stCondLst>
+                                  <p:childTnLst>
+                                    <p:set>
+                                      <p:cBhvr>
+                                        <p:cTn id="26" dur="1" fill="hold">
+                                          <p:stCondLst>
+                                            <p:cond delay="0"/>
+                                          </p:stCondLst>
+                                        </p:cTn>
+                                        <p:tgtEl>
+                                          <p:spTgt spid="14"/>
+                                        </p:tgtEl>
+                                        <p:attrNameLst>
+                                          <p:attrName>style.visibility</p:attrName>
+                                        </p:attrNameLst>
+                                      </p:cBhvr>
+                                      <p:to>
+                                        <p:strVal val="visible"/>
+                                      </p:to>
+                                    </p:set>
+                                  </p:childTnLst>
+                                </p:cTn>
+                              </p:par>
+                            </p:childTnLst>
+                          </p:cTn>
+                        </p:par>
+                      </p:childTnLst>
+                    </p:cTn>
+                  </p:par>
+                  <p:par>
+                    <p:cTn id="27" fill="hold">
+                      <p:stCondLst>
+                        <p:cond delay="indefinite"/>
+                      </p:stCondLst>
+                      <p:childTnLst>
+                        <p:par>
+                          <p:cTn id="28" fill="hold">
+                            <p:stCondLst>
+                              <p:cond delay="0"/>
+                            </p:stCondLst>
+                            <p:childTnLst>
+                              <p:par>
+                                <p:cTn id="29" presetID="1" presetClass="exit" presetSubtype="0" fill="hold" nodeType="clickEffect">
+                                  <p:stCondLst>
+                                    <p:cond delay="0"/>
+                                  </p:stCondLst>
+                                  <p:childTnLst>
+                                    <p:set>
+                                      <p:cBhvr>
+                                        <p:cTn id="30" dur="1" fill="hold">
+                                          <p:stCondLst>
+                                            <p:cond delay="0"/>
+                                          </p:stCondLst>
+                                        </p:cTn>
+                                        <p:tgtEl>
+                                          <p:spTgt spid="14"/>
+                                        </p:tgtEl>
+                                        <p:attrNameLst>
+                                          <p:attrName>style.visibility</p:attrName>
+                                        </p:attrNameLst>
+                                      </p:cBhvr>
+                                      <p:to>
+                                        <p:strVal val="hidden"/>
+                                      </p:to>
+                                    </p:set>
+                                  </p:childTnLst>
+                                </p:cTn>
+                              </p:par>
+                            </p:childTnLst>
+                          </p:cTn>
+                        </p:par>
+                      </p:childTnLst>
+                    </p:cTn>
+                  </p:par>
+                  <p:par>
+                    <p:cTn id="31" fill="hold">
+                      <p:stCondLst>
+                        <p:cond delay="indefinite"/>
+                      </p:stCondLst>
+                      <p:childTnLst>
+                        <p:par>
+                          <p:cTn id="32" fill="hold">
+                            <p:stCondLst>
+                              <p:cond delay="0"/>
+                            </p:stCondLst>
+                            <p:childTnLst>
+                              <p:par>
+                                <p:cTn id="33" presetID="1" presetClass="entr" presetSubtype="0" fill="hold" nodeType="clickEffect">
+                                  <p:stCondLst>
+                                    <p:cond delay="0"/>
+                                  </p:stCondLst>
+                                  <p:childTnLst>
+                                    <p:set>
+                                      <p:cBhvr>
+                                        <p:cTn id="34" dur="1" fill="hold">
+                                          <p:stCondLst>
+                                            <p:cond delay="0"/>
+                                          </p:stCondLst>
+                                        </p:cTn>
+                                        <p:tgtEl>
+                                          <p:spTgt spid="21"/>
+                                        </p:tgtEl>
+                                        <p:attrNameLst>
+                                          <p:attrName>style.visibility</p:attrName>
+                                        </p:attrNameLst>
+                                      </p:cBhvr>
+                                      <p:to>
+                                        <p:strVal val="visible"/>
+                                      </p:to>
+                                    </p:set>
+                                  </p:childTnLst>
+                                </p:cTn>
+                              </p:par>
+                              <p:par>
+                                <p:cTn id="35" presetID="1" presetClass="entr" presetSubtype="0" fill="hold" nodeType="withEffect">
+                                  <p:stCondLst>
+                                    <p:cond delay="0"/>
+                                  </p:stCondLst>
+                                  <p:childTnLst>
+                                    <p:set>
+                                      <p:cBhvr>
+                                        <p:cTn id="36" dur="1" fill="hold">
+                                          <p:stCondLst>
+                                            <p:cond delay="0"/>
+                                          </p:stCondLst>
+                                        </p:cTn>
+                                        <p:tgtEl>
+                                          <p:spTgt spid="17"/>
+                                        </p:tgtEl>
+                                        <p:attrNameLst>
+                                          <p:attrName>style.visibility</p:attrName>
+                                        </p:attrNameLst>
+                                      </p:cBhvr>
+                                      <p:to>
+                                        <p:strVal val="visible"/>
+                                      </p:to>
+                                    </p:set>
+                                  </p:childTnLst>
+                                </p:cTn>
+                              </p:par>
+                              <p:par>
+                                <p:cTn id="37" presetID="1" presetClass="entr" presetSubtype="0" fill="hold" nodeType="withEffect">
+                                  <p:stCondLst>
+                                    <p:cond delay="0"/>
+                                  </p:stCondLst>
+                                  <p:childTnLst>
+                                    <p:set>
+                                      <p:cBhvr>
+                                        <p:cTn id="38" dur="1" fill="hold">
+                                          <p:stCondLst>
+                                            <p:cond delay="0"/>
+                                          </p:stCondLst>
+                                        </p:cTn>
+                                        <p:tgtEl>
+                                          <p:spTgt spid="19"/>
+                                        </p:tgtEl>
+                                        <p:attrNameLst>
+                                          <p:attrName>style.visibility</p:attrName>
+                                        </p:attrNameLst>
+                                      </p:cBhvr>
+                                      <p:to>
+                                        <p:strVal val="visible"/>
+                                      </p:to>
+                                    </p:set>
+                                  </p:childTnLst>
+                                </p:cTn>
+                              </p:par>
+                            </p:childTnLst>
+                          </p:cTn>
+                        </p:par>
+                      </p:childTnLst>
+                    </p:cTn>
+                  </p:par>
+                  <p:par>
+                    <p:cTn id="39" fill="hold">
+                      <p:stCondLst>
+                        <p:cond delay="indefinite"/>
+                      </p:stCondLst>
+                      <p:childTnLst>
+                        <p:par>
+                          <p:cTn id="40" fill="hold">
+                            <p:stCondLst>
+                              <p:cond delay="0"/>
+                            </p:stCondLst>
+                            <p:childTnLst>
+                              <p:par>
+                                <p:cTn id="41" presetID="1" presetClass="exit" presetSubtype="0" fill="hold" nodeType="clickEffect">
+                                  <p:stCondLst>
+                                    <p:cond delay="0"/>
+                                  </p:stCondLst>
+                                  <p:childTnLst>
+                                    <p:set>
+                                      <p:cBhvr>
+                                        <p:cTn id="42" dur="1" fill="hold">
+                                          <p:stCondLst>
+                                            <p:cond delay="0"/>
+                                          </p:stCondLst>
+                                        </p:cTn>
+                                        <p:tgtEl>
+                                          <p:spTgt spid="17"/>
+                                        </p:tgtEl>
+                                        <p:attrNameLst>
+                                          <p:attrName>style.visibility</p:attrName>
+                                        </p:attrNameLst>
+                                      </p:cBhvr>
+                                      <p:to>
+                                        <p:strVal val="hidden"/>
+                                      </p:to>
+                                    </p:set>
+                                  </p:childTnLst>
+                                </p:cTn>
+                              </p:par>
+                              <p:par>
+                                <p:cTn id="43" presetID="1" presetClass="exit" presetSubtype="0" fill="hold" nodeType="withEffect">
+                                  <p:stCondLst>
+                                    <p:cond delay="0"/>
+                                  </p:stCondLst>
+                                  <p:childTnLst>
+                                    <p:set>
+                                      <p:cBhvr>
+                                        <p:cTn id="44" dur="1" fill="hold">
+                                          <p:stCondLst>
+                                            <p:cond delay="0"/>
+                                          </p:stCondLst>
+                                        </p:cTn>
+                                        <p:tgtEl>
+                                          <p:spTgt spid="19"/>
+                                        </p:tgtEl>
+                                        <p:attrNameLst>
+                                          <p:attrName>style.visibility</p:attrName>
+                                        </p:attrNameLst>
+                                      </p:cBhvr>
+                                      <p:to>
+                                        <p:strVal val="hidden"/>
+                                      </p:to>
+                                    </p:set>
+                                  </p:childTnLst>
+                                </p:cTn>
+                              </p:par>
+                              <p:par>
+                                <p:cTn id="45" presetID="1" presetClass="exit" presetSubtype="0" fill="hold" nodeType="withEffect">
+                                  <p:stCondLst>
+                                    <p:cond delay="0"/>
+                                  </p:stCondLst>
+                                  <p:childTnLst>
+                                    <p:set>
+                                      <p:cBhvr>
+                                        <p:cTn id="46" dur="1" fill="hold">
+                                          <p:stCondLst>
+                                            <p:cond delay="0"/>
+                                          </p:stCondLst>
+                                        </p:cTn>
+                                        <p:tgtEl>
+                                          <p:spTgt spid="21"/>
+                                        </p:tgtEl>
+                                        <p:attrNameLst>
+                                          <p:attrName>style.visibility</p:attrName>
+                                        </p:attrNameLst>
+                                      </p:cBhvr>
+                                      <p:to>
+                                        <p:strVal val="hidden"/>
+                                      </p:to>
+                                    </p:set>
+                                  </p:childTnLst>
+                                </p:cTn>
+                              </p:par>
+                            </p:childTnLst>
+                          </p:cTn>
+                        </p:par>
+                      </p:childTnLst>
+                    </p:cTn>
+                  </p:par>
+                  <p:par>
+                    <p:cTn id="47" fill="hold">
+                      <p:stCondLst>
+                        <p:cond delay="indefinite"/>
+                      </p:stCondLst>
+                      <p:childTnLst>
+                        <p:par>
+                          <p:cTn id="48" fill="hold">
+                            <p:stCondLst>
+                              <p:cond delay="0"/>
+                            </p:stCondLst>
+                            <p:childTnLst>
+                              <p:par>
+                                <p:cTn id="49" presetID="1" presetClass="entr" presetSubtype="0" fill="hold" nodeType="clickEffect">
+                                  <p:stCondLst>
+                                    <p:cond delay="0"/>
+                                  </p:stCondLst>
+                                  <p:childTnLst>
+                                    <p:set>
+                                      <p:cBhvr>
+                                        <p:cTn id="50" dur="1" fill="hold">
+                                          <p:stCondLst>
+                                            <p:cond delay="0"/>
+                                          </p:stCondLst>
+                                        </p:cTn>
+                                        <p:tgtEl>
+                                          <p:spTgt spid="23"/>
+                                        </p:tgtEl>
+                                        <p:attrNameLst>
+                                          <p:attrName>style.visibility</p:attrName>
+                                        </p:attrNameLst>
+                                      </p:cBhvr>
+                                      <p:to>
+                                        <p:strVal val="visible"/>
+                                      </p:to>
+                                    </p:set>
+                                  </p:childTnLst>
+                                </p:cTn>
+                              </p:par>
+                            </p:childTnLst>
+                          </p:cTn>
+                        </p:par>
+                      </p:childTnLst>
+                    </p:cTn>
+                  </p:par>
+                  <p:par>
+                    <p:cTn id="51" fill="hold">
+                      <p:stCondLst>
+                        <p:cond delay="indefinite"/>
+                      </p:stCondLst>
+                      <p:childTnLst>
+                        <p:par>
+                          <p:cTn id="52" fill="hold">
+                            <p:stCondLst>
+                              <p:cond delay="0"/>
+                            </p:stCondLst>
+                            <p:childTnLst>
+                              <p:par>
+                                <p:cTn id="53" presetID="1" presetClass="exit" presetSubtype="0" fill="hold" nodeType="clickEffect">
+                                  <p:stCondLst>
+                                    <p:cond delay="0"/>
+                                  </p:stCondLst>
+                                  <p:childTnLst>
+                                    <p:set>
+                                      <p:cBhvr>
+                                        <p:cTn id="54" dur="1" fill="hold">
+                                          <p:stCondLst>
+                                            <p:cond delay="0"/>
+                                          </p:stCondLst>
+                                        </p:cTn>
+                                        <p:tgtEl>
+                                          <p:spTgt spid="23"/>
+                                        </p:tgtEl>
+                                        <p:attrNameLst>
+                                          <p:attrName>style.visibility</p:attrName>
+                                        </p:attrNameLst>
+                                      </p:cBhvr>
+                                      <p:to>
+                                        <p:strVal val="hidden"/>
+                                      </p:to>
+                                    </p:set>
+                                  </p:childTnLst>
+                                </p:cTn>
+                              </p:par>
+                            </p:childTnLst>
+                          </p:cTn>
+                        </p:par>
+                      </p:childTnLst>
+                    </p:cTn>
+                  </p:par>
+                  <p:par>
+                    <p:cTn id="55" fill="hold">
+                      <p:stCondLst>
+                        <p:cond delay="indefinite"/>
+                      </p:stCondLst>
+                      <p:childTnLst>
+                        <p:par>
+                          <p:cTn id="56" fill="hold">
+                            <p:stCondLst>
+                              <p:cond delay="0"/>
+                            </p:stCondLst>
+                            <p:childTnLst>
+                              <p:par>
+                                <p:cTn id="57" presetID="1" presetClass="entr" presetSubtype="0" fill="hold" nodeType="clickEffect">
+                                  <p:stCondLst>
+                                    <p:cond delay="0"/>
+                                  </p:stCondLst>
+                                  <p:childTnLst>
+                                    <p:set>
+                                      <p:cBhvr>
+                                        <p:cTn id="58" dur="1" fill="hold">
+                                          <p:stCondLst>
+                                            <p:cond delay="0"/>
+                                          </p:stCondLst>
+                                        </p:cTn>
+                                        <p:tgtEl>
+                                          <p:spTgt spid="27"/>
+                                        </p:tgtEl>
+                                        <p:attrNameLst>
+                                          <p:attrName>style.visibility</p:attrName>
+                                        </p:attrNameLst>
+                                      </p:cBhvr>
+                                      <p:to>
+                                        <p:strVal val="visible"/>
+                                      </p:to>
+                                    </p:set>
+                                  </p:childTnLst>
+                                </p:cTn>
+                              </p:par>
+                              <p:par>
+                                <p:cTn id="59" presetID="1" presetClass="entr" presetSubtype="0" fill="hold" nodeType="withEffect">
+                                  <p:stCondLst>
+                                    <p:cond delay="0"/>
+                                  </p:stCondLst>
+                                  <p:childTnLst>
+                                    <p:set>
+                                      <p:cBhvr>
+                                        <p:cTn id="60" dur="1" fill="hold">
+                                          <p:stCondLst>
+                                            <p:cond delay="0"/>
+                                          </p:stCondLst>
+                                        </p:cTn>
+                                        <p:tgtEl>
+                                          <p:spTgt spid="25"/>
+                                        </p:tgtEl>
+                                        <p:attrNameLst>
+                                          <p:attrName>style.visibility</p:attrName>
+                                        </p:attrNameLst>
+                                      </p:cBhvr>
+                                      <p:to>
+                                        <p:strVal val="visible"/>
+                                      </p:to>
+                                    </p:set>
+                                  </p:childTnLst>
+                                </p:cTn>
+                              </p:par>
+                            </p:childTnLst>
+                          </p:cTn>
+                        </p:par>
+                      </p:childTnLst>
+                    </p:cTn>
+                  </p:par>
+                  <p:par>
+                    <p:cTn id="61" fill="hold">
+                      <p:stCondLst>
+                        <p:cond delay="indefinite"/>
+                      </p:stCondLst>
+                      <p:childTnLst>
+                        <p:par>
+                          <p:cTn id="62" fill="hold">
+                            <p:stCondLst>
+                              <p:cond delay="0"/>
+                            </p:stCondLst>
+                            <p:childTnLst>
+                              <p:par>
+                                <p:cTn id="63" presetID="1" presetClass="exit" presetSubtype="0" fill="hold" nodeType="clickEffect">
+                                  <p:stCondLst>
+                                    <p:cond delay="0"/>
+                                  </p:stCondLst>
+                                  <p:childTnLst>
+                                    <p:set>
+                                      <p:cBhvr>
+                                        <p:cTn id="64" dur="1" fill="hold">
+                                          <p:stCondLst>
+                                            <p:cond delay="0"/>
+                                          </p:stCondLst>
+                                        </p:cTn>
+                                        <p:tgtEl>
+                                          <p:spTgt spid="27"/>
+                                        </p:tgtEl>
+                                        <p:attrNameLst>
+                                          <p:attrName>style.visibility</p:attrName>
+                                        </p:attrNameLst>
+                                      </p:cBhvr>
+                                      <p:to>
+                                        <p:strVal val="hidden"/>
+                                      </p:to>
+                                    </p:set>
+                                  </p:childTnLst>
+                                </p:cTn>
+                              </p:par>
+                              <p:par>
+                                <p:cTn id="65" presetID="1" presetClass="exit" presetSubtype="0" fill="hold" nodeType="withEffect">
+                                  <p:stCondLst>
+                                    <p:cond delay="0"/>
+                                  </p:stCondLst>
+                                  <p:childTnLst>
+                                    <p:set>
+                                      <p:cBhvr>
+                                        <p:cTn id="66" dur="1" fill="hold">
+                                          <p:stCondLst>
+                                            <p:cond delay="0"/>
+                                          </p:stCondLst>
+                                        </p:cTn>
+                                        <p:tgtEl>
+                                          <p:spTgt spid="25"/>
+                                        </p:tgtEl>
+                                        <p:attrNameLst>
+                                          <p:attrName>style.visibility</p:attrName>
+                                        </p:attrNameLst>
+                                      </p:cBhvr>
+                                      <p:to>
+                                        <p:strVal val="hidden"/>
+                                      </p:to>
+                                    </p:set>
+                                  </p:childTnLst>
+                                </p:cTn>
+                              </p:par>
+                            </p:childTnLst>
+                          </p:cTn>
+                        </p:par>
+                      </p:childTnLst>
+                    </p:cTn>
+                  </p:par>
+                </p:childTnLst>
+              </p:cTn>
+              <p:prevCondLst>
+                <p:cond evt="onPrev" delay="0">
+                  <p:tgtEl>
+                    <p:sldTgt/>
+                  </p:tgtEl>
+                </p:cond>
+              </p:prevCondLst>
+              <p:nextCondLst>
+                <p:cond evt="onNext" delay="0">
+                  <p:tgtEl>
+                    <p:sldTgt/>
+                  </p:tgtEl>
+                </p:cond>
+              </p:nextCondLst>
+            </p:seq>
+          </p:childTnLst>
+        </p:cTn>
       </p:par>
     </p:tnLst>
   </p:timing>
@@ -13978,16 +15075,24 @@
               <a:t>Development </a:t>
             </a:r>
             <a:r>
-              <a:rPr lang="en-US" b="1" dirty="0" err="1" smtClean="0"/>
-              <a:t>Platfrom</a:t>
-            </a:r>
-            <a:r>
               <a:rPr lang="en-US" b="1" dirty="0" smtClean="0"/>
-              <a:t>: </a:t>
+              <a:t>Platform: </a:t>
             </a:r>
             <a:r>
               <a:rPr lang="en-US" dirty="0" smtClean="0"/>
-              <a:t>	NetBeans 8.2 (Ant IDE) and Java (JDK8) </a:t>
+              <a:t>	NetBeans 8.2 (Ant </a:t>
+            </a:r>
+            <a:r>
+              <a:rPr lang="en-US" smtClean="0"/>
+              <a:t>Build Script</a:t>
+            </a:r>
+            <a:r>
+              <a:rPr lang="en-US" smtClean="0"/>
+              <a:t>) </a:t>
+            </a:r>
+            <a:r>
+              <a:rPr lang="en-US" dirty="0" smtClean="0"/>
+              <a:t>and Java (JDK8) </a:t>
             </a:r>
           </a:p>
           <a:p>
@@ -14103,7 +15208,15 @@
             </a:r>
             <a:r>
               <a:rPr lang="en-US" dirty="0" smtClean="0"/>
-              <a:t>						      to read the JOSN in one time.</a:t>
+              <a:t>						      to read the </a:t>
+            </a:r>
+            <a:r>
+              <a:rPr lang="en-US" dirty="0" smtClean="0"/>
+              <a:t>JSON </a:t>
+            </a:r>
+            <a:r>
+              <a:rPr lang="en-US" dirty="0" smtClean="0"/>
+              <a:t>in one time.</a:t>
             </a:r>
           </a:p>
           <a:p>
